--- a/00 - Presentation - What Data Science skills are most valued.pptx
+++ b/00 - Presentation - What Data Science skills are most valued.pptx
@@ -17,9 +17,14 @@
     <p:sldId id="271" r:id="rId11"/>
     <p:sldId id="272" r:id="rId12"/>
     <p:sldId id="263" r:id="rId13"/>
-    <p:sldId id="264" r:id="rId14"/>
-    <p:sldId id="265" r:id="rId15"/>
-    <p:sldId id="266" r:id="rId16"/>
+    <p:sldId id="274" r:id="rId14"/>
+    <p:sldId id="275" r:id="rId15"/>
+    <p:sldId id="277" r:id="rId16"/>
+    <p:sldId id="276" r:id="rId17"/>
+    <p:sldId id="278" r:id="rId18"/>
+    <p:sldId id="264" r:id="rId19"/>
+    <p:sldId id="265" r:id="rId20"/>
+    <p:sldId id="266" r:id="rId21"/>
   </p:sldIdLst>
   <p:sldSz cx="12192000" cy="6858000"/>
   <p:notesSz cx="6858000" cy="9144000"/>
@@ -118,6 +123,11 @@
       </a:defRPr>
     </a:lvl9pPr>
   </p:defaultTextStyle>
+  <p:extLst>
+    <p:ext uri="{EFAFB233-063F-42B5-8137-9DF3F51BA10A}">
+      <p15:sldGuideLst xmlns:p15="http://schemas.microsoft.com/office/powerpoint/2012/main"/>
+    </p:ext>
+  </p:extLst>
 </p:presentation>
 </file>
 
@@ -1064,8 +1074,16 @@
         <a:lstStyle/>
         <a:p>
           <a:r>
-            <a:rPr lang="en-US"/>
-            <a:t>Load datasets from Github Repository into R</a:t>
+            <a:rPr lang="en-US" dirty="0"/>
+            <a:t>Load datasets from </a:t>
+          </a:r>
+          <a:r>
+            <a:rPr lang="en-US" dirty="0" err="1"/>
+            <a:t>Github</a:t>
+          </a:r>
+          <a:r>
+            <a:rPr lang="en-US" dirty="0"/>
+            <a:t> Repository into R</a:t>
           </a:r>
         </a:p>
       </dgm:t>
@@ -1137,7 +1155,7 @@
         <a:p>
           <a:r>
             <a:rPr lang="en-US" dirty="0"/>
-            <a:t>Import into Google Cloud Relational Database</a:t>
+            <a:t>Load into Google Cloud MySQL Database</a:t>
           </a:r>
         </a:p>
       </dgm:t>
@@ -1611,8 +1629,16 @@
             <a:buNone/>
           </a:pPr>
           <a:r>
-            <a:rPr lang="en-US" sz="2200" kern="1200"/>
-            <a:t>Load datasets from Github Repository into R</a:t>
+            <a:rPr lang="en-US" sz="2200" kern="1200" dirty="0"/>
+            <a:t>Load datasets from </a:t>
+          </a:r>
+          <a:r>
+            <a:rPr lang="en-US" sz="2200" kern="1200" dirty="0" err="1"/>
+            <a:t>Github</a:t>
+          </a:r>
+          <a:r>
+            <a:rPr lang="en-US" sz="2200" kern="1200" dirty="0"/>
+            <a:t> Repository into R</a:t>
           </a:r>
         </a:p>
       </dsp:txBody>
@@ -1914,7 +1940,7 @@
           </a:pPr>
           <a:r>
             <a:rPr lang="en-US" sz="2200" kern="1200" dirty="0"/>
-            <a:t>Import into Google Cloud Relational Database</a:t>
+            <a:t>Load into Google Cloud MySQL Database</a:t>
           </a:r>
         </a:p>
       </dsp:txBody>
@@ -3606,7 +3632,7 @@
           <a:p>
             <a:fld id="{5E7AA473-D82F-4EFF-9DF7-AE6D83C51288}" type="datetime1">
               <a:rPr lang="en-US" smtClean="0"/>
-              <a:t>10/24/2022</a:t>
+              <a:t>10/25/2022</a:t>
             </a:fld>
             <a:endParaRPr lang="en-US"/>
           </a:p>
@@ -3796,7 +3822,7 @@
           <a:p>
             <a:fld id="{1E12F1F0-FE2D-4C1C-B320-8CB9BE735F0F}" type="datetime1">
               <a:rPr lang="en-US" smtClean="0"/>
-              <a:t>10/24/2022</a:t>
+              <a:t>10/25/2022</a:t>
             </a:fld>
             <a:endParaRPr lang="en-US"/>
           </a:p>
@@ -3976,7 +4002,7 @@
           <a:p>
             <a:fld id="{2CF1B96C-10FD-4EBC-9029-9652B7535D02}" type="datetime1">
               <a:rPr lang="en-US" smtClean="0"/>
-              <a:t>10/24/2022</a:t>
+              <a:t>10/25/2022</a:t>
             </a:fld>
             <a:endParaRPr lang="en-US"/>
           </a:p>
@@ -4146,7 +4172,7 @@
           <a:p>
             <a:fld id="{14878474-CC00-4A95-9D50-A41C12D1EEC4}" type="datetime1">
               <a:rPr lang="en-US" smtClean="0"/>
-              <a:t>10/24/2022</a:t>
+              <a:t>10/25/2022</a:t>
             </a:fld>
             <a:endParaRPr lang="en-US"/>
           </a:p>
@@ -4402,7 +4428,7 @@
           <a:p>
             <a:fld id="{7F38C8B4-7FBB-408F-BDB9-F0496874AFB2}" type="datetime1">
               <a:rPr lang="en-US" smtClean="0"/>
-              <a:t>10/24/2022</a:t>
+              <a:t>10/25/2022</a:t>
             </a:fld>
             <a:endParaRPr lang="en-US"/>
           </a:p>
@@ -4690,7 +4716,7 @@
           <a:p>
             <a:fld id="{2BB8EE20-A5E2-47D3-8F6D-A2BA7AB2E093}" type="datetime1">
               <a:rPr lang="en-US" smtClean="0"/>
-              <a:t>10/24/2022</a:t>
+              <a:t>10/25/2022</a:t>
             </a:fld>
             <a:endParaRPr lang="en-US"/>
           </a:p>
@@ -5128,7 +5154,7 @@
           <a:p>
             <a:fld id="{3382CF99-132F-413F-B7EF-71A5C33F2ED6}" type="datetime1">
               <a:rPr lang="en-US" smtClean="0"/>
-              <a:t>10/24/2022</a:t>
+              <a:t>10/25/2022</a:t>
             </a:fld>
             <a:endParaRPr lang="en-US"/>
           </a:p>
@@ -5246,7 +5272,7 @@
           <a:p>
             <a:fld id="{1F17AE06-98E0-4D9F-A059-92C3548821BB}" type="datetime1">
               <a:rPr lang="en-US" smtClean="0"/>
-              <a:t>10/24/2022</a:t>
+              <a:t>10/25/2022</a:t>
             </a:fld>
             <a:endParaRPr lang="en-US"/>
           </a:p>
@@ -5341,7 +5367,7 @@
           <a:p>
             <a:fld id="{FFBA00CA-3DDC-4705-B840-978EF5EA0707}" type="datetime1">
               <a:rPr lang="en-US" smtClean="0"/>
-              <a:t>10/24/2022</a:t>
+              <a:t>10/25/2022</a:t>
             </a:fld>
             <a:endParaRPr lang="en-US"/>
           </a:p>
@@ -5697,7 +5723,7 @@
           <a:p>
             <a:fld id="{FC366D49-0BBA-4C5A-AD96-6448CA63451A}" type="datetime1">
               <a:rPr lang="en-US" smtClean="0"/>
-              <a:t>10/24/2022</a:t>
+              <a:t>10/25/2022</a:t>
             </a:fld>
             <a:endParaRPr lang="en-US"/>
           </a:p>
@@ -6013,7 +6039,7 @@
           <a:p>
             <a:fld id="{4F4EB293-A316-472D-A8B4-6947CF1A12B7}" type="datetime1">
               <a:rPr lang="en-US" smtClean="0"/>
-              <a:t>10/24/2022</a:t>
+              <a:t>10/25/2022</a:t>
             </a:fld>
             <a:endParaRPr lang="en-US"/>
           </a:p>
@@ -6246,7 +6272,7 @@
           <a:p>
             <a:fld id="{734BCCD4-CEB1-405B-A443-DD9CBCBEA552}" type="datetime1">
               <a:rPr lang="en-US" smtClean="0"/>
-              <a:t>10/24/2022</a:t>
+              <a:t>10/25/2022</a:t>
             </a:fld>
             <a:endParaRPr lang="en-US"/>
           </a:p>
@@ -7464,7 +7490,7 @@
             </a:pPr>
             <a:r>
               <a:rPr lang="en-US" sz="5600" dirty="0"/>
-              <a:t>Import into Google Cloud</a:t>
+              <a:t>Load into Google Cloud</a:t>
             </a:r>
           </a:p>
         </p:txBody>
@@ -7571,36 +7597,6 @@
           </a:prstGeom>
         </p:spPr>
       </p:pic>
-      <p:pic>
-        <p:nvPicPr>
-          <p:cNvPr id="10" name="Picture 9">
-            <a:extLst>
-              <a:ext uri="{FF2B5EF4-FFF2-40B4-BE49-F238E27FC236}">
-                <a16:creationId xmlns:a16="http://schemas.microsoft.com/office/drawing/2014/main" id="{4B3FCAF5-7CF6-B207-D80F-CBE9FDD28D40}"/>
-              </a:ext>
-            </a:extLst>
-          </p:cNvPr>
-          <p:cNvPicPr>
-            <a:picLocks noChangeAspect="1"/>
-          </p:cNvPicPr>
-          <p:nvPr/>
-        </p:nvPicPr>
-        <p:blipFill>
-          <a:blip r:embed="rId4"/>
-          <a:stretch>
-            <a:fillRect/>
-          </a:stretch>
-        </p:blipFill>
-        <p:spPr>
-          <a:xfrm>
-            <a:off x="1783243" y="2684601"/>
-            <a:ext cx="8781184" cy="2436778"/>
-          </a:xfrm>
-          <a:prstGeom prst="rect">
-            <a:avLst/>
-          </a:prstGeom>
-        </p:spPr>
-      </p:pic>
     </p:spTree>
     <p:extLst>
       <p:ext uri="{BB962C8B-B14F-4D97-AF65-F5344CB8AC3E}">
@@ -7617,14 +7613,6 @@
 <file path=ppt/slides/slide13.xml><?xml version="1.0" encoding="utf-8"?>
 <p:sld xmlns:a="http://schemas.openxmlformats.org/drawingml/2006/main" xmlns:r="http://schemas.openxmlformats.org/officeDocument/2006/relationships" xmlns:p="http://schemas.openxmlformats.org/presentationml/2006/main">
   <p:cSld>
-    <p:bg>
-      <p:bgPr>
-        <a:solidFill>
-          <a:schemeClr val="accent1"/>
-        </a:solidFill>
-        <a:effectLst/>
-      </p:bgPr>
-    </p:bg>
     <p:spTree>
       <p:nvGrpSpPr>
         <p:cNvPr id="1" name=""/>
@@ -7641,122 +7629,10 @@
       </p:grpSpPr>
       <p:sp>
         <p:nvSpPr>
-          <p:cNvPr id="12" name="Rectangle 11">
+          <p:cNvPr id="2" name="Title 1">
             <a:extLst>
               <a:ext uri="{FF2B5EF4-FFF2-40B4-BE49-F238E27FC236}">
-                <a16:creationId xmlns:a16="http://schemas.microsoft.com/office/drawing/2014/main" id="{BD976C13-68E6-4E25-B13E-FC3A2D3F66E3}"/>
-              </a:ext>
-              <a:ext uri="{C183D7F6-B498-43B3-948B-1728B52AA6E4}">
-                <adec:decorative xmlns:adec="http://schemas.microsoft.com/office/drawing/2017/decorative" val="1"/>
-              </a:ext>
-            </a:extLst>
-          </p:cNvPr>
-          <p:cNvSpPr>
-            <a:spLocks noGrp="1" noRot="1" noChangeAspect="1" noMove="1" noResize="1" noEditPoints="1" noAdjustHandles="1" noChangeArrowheads="1" noChangeShapeType="1" noTextEdit="1"/>
-          </p:cNvSpPr>
-          <p:nvPr>
-            <p:extLst>
-              <p:ext uri="{386F3935-93C4-4BCD-93E2-E3B085C9AB24}">
-                <p16:designElem xmlns:p16="http://schemas.microsoft.com/office/powerpoint/2015/main" val="1"/>
-              </p:ext>
-            </p:extLst>
-          </p:nvPr>
-        </p:nvSpPr>
-        <p:spPr>
-          <a:xfrm>
-            <a:off x="0" y="0"/>
-            <a:ext cx="12192000" cy="6858000"/>
-          </a:xfrm>
-          <a:prstGeom prst="rect">
-            <a:avLst/>
-          </a:prstGeom>
-          <a:ln>
-            <a:noFill/>
-          </a:ln>
-        </p:spPr>
-        <p:style>
-          <a:lnRef idx="2">
-            <a:schemeClr val="accent1">
-              <a:shade val="50000"/>
-            </a:schemeClr>
-          </a:lnRef>
-          <a:fillRef idx="1">
-            <a:schemeClr val="accent1"/>
-          </a:fillRef>
-          <a:effectRef idx="0">
-            <a:schemeClr val="accent1"/>
-          </a:effectRef>
-          <a:fontRef idx="minor">
-            <a:schemeClr val="lt1"/>
-          </a:fontRef>
-        </p:style>
-      </p:sp>
-      <p:sp useBgFill="1">
-        <p:nvSpPr>
-          <p:cNvPr id="14" name="Rectangle 13">
-            <a:extLst>
-              <a:ext uri="{FF2B5EF4-FFF2-40B4-BE49-F238E27FC236}">
-                <a16:creationId xmlns:a16="http://schemas.microsoft.com/office/drawing/2014/main" id="{E4B26CF8-7662-442F-B3D6-87859197EF85}"/>
-              </a:ext>
-              <a:ext uri="{C183D7F6-B498-43B3-948B-1728B52AA6E4}">
-                <adec:decorative xmlns:adec="http://schemas.microsoft.com/office/drawing/2017/decorative" val="1"/>
-              </a:ext>
-            </a:extLst>
-          </p:cNvPr>
-          <p:cNvSpPr>
-            <a:spLocks noGrp="1" noRot="1" noChangeAspect="1" noMove="1" noResize="1" noEditPoints="1" noAdjustHandles="1" noChangeArrowheads="1" noChangeShapeType="1" noTextEdit="1"/>
-          </p:cNvSpPr>
-          <p:nvPr>
-            <p:extLst>
-              <p:ext uri="{386F3935-93C4-4BCD-93E2-E3B085C9AB24}">
-                <p16:designElem xmlns:p16="http://schemas.microsoft.com/office/powerpoint/2015/main" val="1"/>
-              </p:ext>
-            </p:extLst>
-          </p:nvPr>
-        </p:nvSpPr>
-        <p:spPr>
-          <a:xfrm>
-            <a:off x="0" y="0"/>
-            <a:ext cx="12192000" cy="6858000"/>
-          </a:xfrm>
-          <a:prstGeom prst="rect">
-            <a:avLst/>
-          </a:prstGeom>
-          <a:ln>
-            <a:noFill/>
-          </a:ln>
-        </p:spPr>
-        <p:style>
-          <a:lnRef idx="2">
-            <a:schemeClr val="accent1">
-              <a:shade val="50000"/>
-            </a:schemeClr>
-          </a:lnRef>
-          <a:fillRef idx="1">
-            <a:schemeClr val="accent1"/>
-          </a:fillRef>
-          <a:effectRef idx="0">
-            <a:schemeClr val="accent1"/>
-          </a:effectRef>
-          <a:fontRef idx="minor">
-            <a:schemeClr val="lt1"/>
-          </a:fontRef>
-        </p:style>
-        <p:txBody>
-          <a:bodyPr rtlCol="0" anchor="ctr"/>
-          <a:lstStyle/>
-          <a:p>
-            <a:pPr algn="ctr"/>
-            <a:endParaRPr lang="en-US"/>
-          </a:p>
-        </p:txBody>
-      </p:sp>
-      <p:sp>
-        <p:nvSpPr>
-          <p:cNvPr id="7" name="Title 6">
-            <a:extLst>
-              <a:ext uri="{FF2B5EF4-FFF2-40B4-BE49-F238E27FC236}">
-                <a16:creationId xmlns:a16="http://schemas.microsoft.com/office/drawing/2014/main" id="{7842FB59-6E4F-DB04-B3E5-FBD9DBABC1DE}"/>
+                <a16:creationId xmlns:a16="http://schemas.microsoft.com/office/drawing/2014/main" id="{3AA539CA-00B9-4004-0A86-C3B751126A30}"/>
               </a:ext>
             </a:extLst>
           </p:cNvPr>
@@ -7769,137 +7645,173 @@
         </p:nvSpPr>
         <p:spPr>
           <a:xfrm>
-            <a:off x="165523" y="606551"/>
-            <a:ext cx="4497916" cy="5994273"/>
+            <a:off x="218768" y="3504359"/>
+            <a:ext cx="10780776" cy="613283"/>
           </a:xfrm>
         </p:spPr>
         <p:txBody>
-          <a:bodyPr vert="horz" lIns="91440" tIns="45720" rIns="91440" bIns="45720" rtlCol="0" anchor="ctr">
+          <a:bodyPr/>
+          <a:lstStyle/>
+          <a:p>
+            <a:r>
+              <a:rPr lang="en-US" dirty="0"/>
+              <a:t>Database Model</a:t>
+            </a:r>
+          </a:p>
+        </p:txBody>
+      </p:sp>
+      <p:sp>
+        <p:nvSpPr>
+          <p:cNvPr id="4" name="Text Placeholder 3">
+            <a:extLst>
+              <a:ext uri="{FF2B5EF4-FFF2-40B4-BE49-F238E27FC236}">
+                <a16:creationId xmlns:a16="http://schemas.microsoft.com/office/drawing/2014/main" id="{69A716FB-4EA1-4C20-4F4B-44C5B6892987}"/>
+              </a:ext>
+            </a:extLst>
+          </p:cNvPr>
+          <p:cNvSpPr>
+            <a:spLocks noGrp="1"/>
+          </p:cNvSpPr>
+          <p:nvPr>
+            <p:ph type="body" sz="half" idx="2"/>
+          </p:nvPr>
+        </p:nvSpPr>
+        <p:spPr>
+          <a:xfrm>
+            <a:off x="1415472" y="4382661"/>
+            <a:ext cx="9361055" cy="1500903"/>
+          </a:xfrm>
+        </p:spPr>
+        <p:txBody>
+          <a:bodyPr>
             <a:normAutofit/>
           </a:bodyPr>
           <a:lstStyle/>
           <a:p>
             <a:pPr>
               <a:lnSpc>
-                <a:spcPct val="80000"/>
+                <a:spcPct val="85000"/>
               </a:lnSpc>
+              <a:spcBef>
+                <a:spcPct val="0"/>
+              </a:spcBef>
             </a:pPr>
             <a:r>
-              <a:rPr lang="en-US" sz="6700" dirty="0">
+              <a:rPr lang="en-US" sz="2600" spc="-120" dirty="0">
                 <a:solidFill>
                   <a:srgbClr val="FFFFFF"/>
                 </a:solidFill>
+                <a:latin typeface="+mj-lt"/>
+                <a:ea typeface="+mj-ea"/>
+                <a:cs typeface="+mj-cs"/>
               </a:rPr>
-              <a:t>What are the </a:t>
-            </a:r>
-            <a:r>
-              <a:rPr lang="en-US" sz="6700" b="1" dirty="0">
+              <a:t>MySQL Workbench </a:t>
+            </a:r>
+          </a:p>
+          <a:p>
+            <a:pPr>
+              <a:lnSpc>
+                <a:spcPct val="85000"/>
+              </a:lnSpc>
+              <a:spcBef>
+                <a:spcPct val="0"/>
+              </a:spcBef>
+            </a:pPr>
+            <a:r>
+              <a:rPr lang="en-US" sz="2600" spc="-120" dirty="0">
                 <a:solidFill>
                   <a:srgbClr val="FFFFFF"/>
                 </a:solidFill>
+                <a:latin typeface="+mj-lt"/>
+                <a:ea typeface="+mj-ea"/>
+                <a:cs typeface="+mj-cs"/>
               </a:rPr>
-              <a:t>Top 20 </a:t>
-            </a:r>
-            <a:r>
-              <a:rPr lang="en-US" sz="6700" dirty="0">
+              <a:t>Schema</a:t>
+            </a:r>
+          </a:p>
+          <a:p>
+            <a:pPr>
+              <a:lnSpc>
+                <a:spcPct val="85000"/>
+              </a:lnSpc>
+              <a:spcBef>
+                <a:spcPct val="0"/>
+              </a:spcBef>
+            </a:pPr>
+            <a:r>
+              <a:rPr lang="en-US" sz="2600" spc="-120" dirty="0">
                 <a:solidFill>
                   <a:srgbClr val="FFFFFF"/>
                 </a:solidFill>
+                <a:latin typeface="+mj-lt"/>
+                <a:ea typeface="+mj-ea"/>
+                <a:cs typeface="+mj-cs"/>
               </a:rPr>
-              <a:t>Most Frequently Mentioned Job Skills?</a:t>
+              <a:t>ER Diagram</a:t>
+            </a:r>
+          </a:p>
+          <a:p>
+            <a:pPr>
+              <a:lnSpc>
+                <a:spcPct val="85000"/>
+              </a:lnSpc>
+              <a:spcBef>
+                <a:spcPct val="0"/>
+              </a:spcBef>
+            </a:pPr>
+            <a:r>
+              <a:rPr lang="en-US" sz="2600" spc="-120" dirty="0">
+                <a:solidFill>
+                  <a:srgbClr val="FFFFFF"/>
+                </a:solidFill>
+                <a:latin typeface="+mj-lt"/>
+                <a:ea typeface="+mj-ea"/>
+                <a:cs typeface="+mj-cs"/>
+              </a:rPr>
+              <a:t>Export SQL Create Script</a:t>
             </a:r>
           </a:p>
         </p:txBody>
       </p:sp>
-      <p:cxnSp>
-        <p:nvCxnSpPr>
-          <p:cNvPr id="16" name="Straight Connector 15">
+      <p:pic>
+        <p:nvPicPr>
+          <p:cNvPr id="35" name="Picture Placeholder 34" descr="Graphical user interface, application&#10;&#10;Description automatically generated">
             <a:extLst>
               <a:ext uri="{FF2B5EF4-FFF2-40B4-BE49-F238E27FC236}">
-                <a16:creationId xmlns:a16="http://schemas.microsoft.com/office/drawing/2014/main" id="{07BC4E14-913C-46C0-ABF7-BDDAEC08A367}"/>
-              </a:ext>
-              <a:ext uri="{C183D7F6-B498-43B3-948B-1728B52AA6E4}">
-                <adec:decorative xmlns:adec="http://schemas.microsoft.com/office/drawing/2017/decorative" val="1"/>
-              </a:ext>
-            </a:extLst>
-          </p:cNvPr>
-          <p:cNvCxnSpPr>
-            <a:cxnSpLocks noGrp="1" noRot="1" noChangeAspect="1" noMove="1" noResize="1" noEditPoints="1" noAdjustHandles="1" noChangeArrowheads="1" noChangeShapeType="1"/>
-          </p:cNvCxnSpPr>
-          <p:nvPr>
-            <p:extLst>
-              <p:ext uri="{386F3935-93C4-4BCD-93E2-E3B085C9AB24}">
-                <p16:designElem xmlns:p16="http://schemas.microsoft.com/office/powerpoint/2015/main" val="1"/>
-              </p:ext>
-            </p:extLst>
-          </p:nvPr>
-        </p:nvCxnSpPr>
-        <p:spPr>
-          <a:xfrm>
-            <a:off x="4663440" y="2071116"/>
-            <a:ext cx="0" cy="2715768"/>
-          </a:xfrm>
-          <a:prstGeom prst="line">
-            <a:avLst/>
-          </a:prstGeom>
-          <a:ln>
-            <a:solidFill>
-              <a:schemeClr val="accent1">
-                <a:lumMod val="40000"/>
-                <a:lumOff val="60000"/>
-              </a:schemeClr>
-            </a:solidFill>
-          </a:ln>
-        </p:spPr>
-        <p:style>
-          <a:lnRef idx="1">
-            <a:schemeClr val="accent1"/>
-          </a:lnRef>
-          <a:fillRef idx="0">
-            <a:schemeClr val="accent1"/>
-          </a:fillRef>
-          <a:effectRef idx="0">
-            <a:schemeClr val="accent1"/>
-          </a:effectRef>
-          <a:fontRef idx="minor">
-            <a:schemeClr val="tx1"/>
-          </a:fontRef>
-        </p:style>
-      </p:cxnSp>
-      <p:pic>
-        <p:nvPicPr>
-          <p:cNvPr id="11" name="Picture 10">
-            <a:extLst>
-              <a:ext uri="{FF2B5EF4-FFF2-40B4-BE49-F238E27FC236}">
-                <a16:creationId xmlns:a16="http://schemas.microsoft.com/office/drawing/2014/main" id="{07711797-5B58-AB96-7B0F-67CA9581EEE5}"/>
+                <a16:creationId xmlns:a16="http://schemas.microsoft.com/office/drawing/2014/main" id="{688B7A2E-8778-142A-F20A-4B9138EA3DC6}"/>
               </a:ext>
             </a:extLst>
           </p:cNvPr>
           <p:cNvPicPr>
-            <a:picLocks noChangeAspect="1"/>
+            <a:picLocks noGrp="1" noChangeAspect="1"/>
           </p:cNvPicPr>
-          <p:nvPr/>
+          <p:nvPr>
+            <p:ph type="pic" idx="1"/>
+          </p:nvPr>
         </p:nvPicPr>
         <p:blipFill>
-          <a:blip r:embed="rId2"/>
+          <a:blip r:embed="rId2">
+            <a:extLst>
+              <a:ext uri="{28A0092B-C50C-407E-A947-70E740481C1C}">
+                <a14:useLocalDpi xmlns:a14="http://schemas.microsoft.com/office/drawing/2010/main" val="0"/>
+              </a:ext>
+            </a:extLst>
+          </a:blip>
           <a:stretch>
             <a:fillRect/>
           </a:stretch>
         </p:blipFill>
         <p:spPr>
           <a:xfrm>
-            <a:off x="4828962" y="1074799"/>
-            <a:ext cx="7248525" cy="5057775"/>
-          </a:xfrm>
-          <a:prstGeom prst="rect">
-            <a:avLst/>
-          </a:prstGeom>
+            <a:off x="962891" y="356674"/>
+            <a:ext cx="9746160" cy="2882666"/>
+          </a:xfrm>
         </p:spPr>
       </p:pic>
     </p:spTree>
     <p:extLst>
       <p:ext uri="{BB962C8B-B14F-4D97-AF65-F5344CB8AC3E}">
-        <p14:creationId xmlns:p14="http://schemas.microsoft.com/office/powerpoint/2010/main" val="1277445747"/>
+        <p14:creationId xmlns:p14="http://schemas.microsoft.com/office/powerpoint/2010/main" val="1683901082"/>
       </p:ext>
     </p:extLst>
   </p:cSld>
@@ -7936,10 +7848,397 @@
       </p:grpSpPr>
       <p:sp>
         <p:nvSpPr>
-          <p:cNvPr id="12" name="Rectangle 11">
+          <p:cNvPr id="2" name="Title 1">
             <a:extLst>
               <a:ext uri="{FF2B5EF4-FFF2-40B4-BE49-F238E27FC236}">
-                <a16:creationId xmlns:a16="http://schemas.microsoft.com/office/drawing/2014/main" id="{BD976C13-68E6-4E25-B13E-FC3A2D3F66E3}"/>
+                <a16:creationId xmlns:a16="http://schemas.microsoft.com/office/drawing/2014/main" id="{976C7CAF-1660-EDE4-2AF5-C24996FE727E}"/>
+              </a:ext>
+            </a:extLst>
+          </p:cNvPr>
+          <p:cNvSpPr>
+            <a:spLocks noGrp="1"/>
+          </p:cNvSpPr>
+          <p:nvPr>
+            <p:ph type="title"/>
+          </p:nvPr>
+        </p:nvSpPr>
+        <p:spPr>
+          <a:xfrm>
+            <a:off x="1953883" y="90113"/>
+            <a:ext cx="8120419" cy="1129087"/>
+          </a:xfrm>
+        </p:spPr>
+        <p:txBody>
+          <a:bodyPr/>
+          <a:lstStyle/>
+          <a:p>
+            <a:r>
+              <a:rPr lang="en-US" dirty="0">
+                <a:solidFill>
+                  <a:schemeClr val="bg1"/>
+                </a:solidFill>
+              </a:rPr>
+              <a:t>Google Cloud MySQL Instance</a:t>
+            </a:r>
+          </a:p>
+        </p:txBody>
+      </p:sp>
+      <p:sp>
+        <p:nvSpPr>
+          <p:cNvPr id="6" name="Text Placeholder 5">
+            <a:extLst>
+              <a:ext uri="{FF2B5EF4-FFF2-40B4-BE49-F238E27FC236}">
+                <a16:creationId xmlns:a16="http://schemas.microsoft.com/office/drawing/2014/main" id="{D9FE9BF8-807C-53E3-5F6D-C1BCBA657537}"/>
+              </a:ext>
+            </a:extLst>
+          </p:cNvPr>
+          <p:cNvSpPr>
+            <a:spLocks noGrp="1"/>
+          </p:cNvSpPr>
+          <p:nvPr>
+            <p:ph type="body" sz="half" idx="2"/>
+          </p:nvPr>
+        </p:nvSpPr>
+        <p:spPr>
+          <a:xfrm>
+            <a:off x="8621226" y="2152981"/>
+            <a:ext cx="2906151" cy="3122403"/>
+          </a:xfrm>
+        </p:spPr>
+        <p:txBody>
+          <a:bodyPr>
+            <a:normAutofit/>
+          </a:bodyPr>
+          <a:lstStyle/>
+          <a:p>
+            <a:r>
+              <a:rPr lang="en-US" sz="2200" dirty="0">
+                <a:solidFill>
+                  <a:schemeClr val="bg1"/>
+                </a:solidFill>
+              </a:rPr>
+              <a:t>Connections</a:t>
+            </a:r>
+          </a:p>
+          <a:p>
+            <a:r>
+              <a:rPr lang="en-US" sz="2200" dirty="0">
+                <a:solidFill>
+                  <a:schemeClr val="bg1"/>
+                </a:solidFill>
+              </a:rPr>
+              <a:t>Users</a:t>
+            </a:r>
+          </a:p>
+        </p:txBody>
+      </p:sp>
+      <p:pic>
+        <p:nvPicPr>
+          <p:cNvPr id="4" name="Picture 3">
+            <a:extLst>
+              <a:ext uri="{FF2B5EF4-FFF2-40B4-BE49-F238E27FC236}">
+                <a16:creationId xmlns:a16="http://schemas.microsoft.com/office/drawing/2014/main" id="{B79A3169-134A-2696-2907-9E64C107DDB4}"/>
+              </a:ext>
+            </a:extLst>
+          </p:cNvPr>
+          <p:cNvPicPr>
+            <a:picLocks noChangeAspect="1"/>
+          </p:cNvPicPr>
+          <p:nvPr/>
+        </p:nvPicPr>
+        <p:blipFill>
+          <a:blip r:embed="rId2"/>
+          <a:stretch>
+            <a:fillRect/>
+          </a:stretch>
+        </p:blipFill>
+        <p:spPr>
+          <a:xfrm>
+            <a:off x="0" y="1621535"/>
+            <a:ext cx="8563257" cy="4544875"/>
+          </a:xfrm>
+          <a:prstGeom prst="rect">
+            <a:avLst/>
+          </a:prstGeom>
+        </p:spPr>
+      </p:pic>
+    </p:spTree>
+    <p:extLst>
+      <p:ext uri="{BB962C8B-B14F-4D97-AF65-F5344CB8AC3E}">
+        <p14:creationId xmlns:p14="http://schemas.microsoft.com/office/powerpoint/2010/main" val="335813479"/>
+      </p:ext>
+    </p:extLst>
+  </p:cSld>
+  <p:clrMapOvr>
+    <a:masterClrMapping/>
+  </p:clrMapOvr>
+</p:sld>
+</file>
+
+<file path=ppt/slides/slide15.xml><?xml version="1.0" encoding="utf-8"?>
+<p:sld xmlns:a="http://schemas.openxmlformats.org/drawingml/2006/main" xmlns:r="http://schemas.openxmlformats.org/officeDocument/2006/relationships" xmlns:p="http://schemas.openxmlformats.org/presentationml/2006/main">
+  <p:cSld>
+    <p:spTree>
+      <p:nvGrpSpPr>
+        <p:cNvPr id="1" name=""/>
+        <p:cNvGrpSpPr/>
+        <p:nvPr/>
+      </p:nvGrpSpPr>
+      <p:grpSpPr>
+        <a:xfrm>
+          <a:off x="0" y="0"/>
+          <a:ext cx="0" cy="0"/>
+          <a:chOff x="0" y="0"/>
+          <a:chExt cx="0" cy="0"/>
+        </a:xfrm>
+      </p:grpSpPr>
+      <p:sp>
+        <p:nvSpPr>
+          <p:cNvPr id="2" name="Title 1">
+            <a:extLst>
+              <a:ext uri="{FF2B5EF4-FFF2-40B4-BE49-F238E27FC236}">
+                <a16:creationId xmlns:a16="http://schemas.microsoft.com/office/drawing/2014/main" id="{1F38BB6E-4481-60B8-ED29-4260DD15E446}"/>
+              </a:ext>
+            </a:extLst>
+          </p:cNvPr>
+          <p:cNvSpPr>
+            <a:spLocks noGrp="1"/>
+          </p:cNvSpPr>
+          <p:nvPr>
+            <p:ph type="title"/>
+          </p:nvPr>
+        </p:nvSpPr>
+        <p:spPr>
+          <a:xfrm>
+            <a:off x="7933082" y="38100"/>
+            <a:ext cx="3368702" cy="1309997"/>
+          </a:xfrm>
+        </p:spPr>
+        <p:txBody>
+          <a:bodyPr/>
+          <a:lstStyle/>
+          <a:p>
+            <a:r>
+              <a:rPr lang="en-US" dirty="0"/>
+              <a:t>Create Script</a:t>
+            </a:r>
+          </a:p>
+        </p:txBody>
+      </p:sp>
+      <p:pic>
+        <p:nvPicPr>
+          <p:cNvPr id="6" name="Content Placeholder 5">
+            <a:extLst>
+              <a:ext uri="{FF2B5EF4-FFF2-40B4-BE49-F238E27FC236}">
+                <a16:creationId xmlns:a16="http://schemas.microsoft.com/office/drawing/2014/main" id="{E0DAB970-62C5-5D05-F666-A9F3AE5E694C}"/>
+              </a:ext>
+            </a:extLst>
+          </p:cNvPr>
+          <p:cNvPicPr>
+            <a:picLocks noGrp="1" noChangeAspect="1"/>
+          </p:cNvPicPr>
+          <p:nvPr>
+            <p:ph idx="1"/>
+          </p:nvPr>
+        </p:nvPicPr>
+        <p:blipFill>
+          <a:blip r:embed="rId2"/>
+          <a:stretch>
+            <a:fillRect/>
+          </a:stretch>
+        </p:blipFill>
+        <p:spPr>
+          <a:xfrm>
+            <a:off x="547316" y="542282"/>
+            <a:ext cx="6186859" cy="5942962"/>
+          </a:xfrm>
+        </p:spPr>
+      </p:pic>
+      <p:sp>
+        <p:nvSpPr>
+          <p:cNvPr id="4" name="Text Placeholder 3">
+            <a:extLst>
+              <a:ext uri="{FF2B5EF4-FFF2-40B4-BE49-F238E27FC236}">
+                <a16:creationId xmlns:a16="http://schemas.microsoft.com/office/drawing/2014/main" id="{B6B2D0FE-DCA3-F2C6-F614-1DB4C30F5CAA}"/>
+              </a:ext>
+            </a:extLst>
+          </p:cNvPr>
+          <p:cNvSpPr>
+            <a:spLocks noGrp="1"/>
+          </p:cNvSpPr>
+          <p:nvPr>
+            <p:ph type="body" sz="half" idx="2"/>
+          </p:nvPr>
+        </p:nvSpPr>
+        <p:spPr/>
+        <p:txBody>
+          <a:bodyPr/>
+          <a:lstStyle/>
+          <a:p>
+            <a:endParaRPr lang="en-US" dirty="0"/>
+          </a:p>
+        </p:txBody>
+      </p:sp>
+    </p:spTree>
+    <p:extLst>
+      <p:ext uri="{BB962C8B-B14F-4D97-AF65-F5344CB8AC3E}">
+        <p14:creationId xmlns:p14="http://schemas.microsoft.com/office/powerpoint/2010/main" val="499651171"/>
+      </p:ext>
+    </p:extLst>
+  </p:cSld>
+  <p:clrMapOvr>
+    <a:masterClrMapping/>
+  </p:clrMapOvr>
+</p:sld>
+</file>
+
+<file path=ppt/slides/slide16.xml><?xml version="1.0" encoding="utf-8"?>
+<p:sld xmlns:a="http://schemas.openxmlformats.org/drawingml/2006/main" xmlns:r="http://schemas.openxmlformats.org/officeDocument/2006/relationships" xmlns:p="http://schemas.openxmlformats.org/presentationml/2006/main">
+  <p:cSld>
+    <p:bg>
+      <p:bgPr>
+        <a:solidFill>
+          <a:schemeClr val="accent1"/>
+        </a:solidFill>
+        <a:effectLst/>
+      </p:bgPr>
+    </p:bg>
+    <p:spTree>
+      <p:nvGrpSpPr>
+        <p:cNvPr id="1" name=""/>
+        <p:cNvGrpSpPr/>
+        <p:nvPr/>
+      </p:nvGrpSpPr>
+      <p:grpSpPr>
+        <a:xfrm>
+          <a:off x="0" y="0"/>
+          <a:ext cx="0" cy="0"/>
+          <a:chOff x="0" y="0"/>
+          <a:chExt cx="0" cy="0"/>
+        </a:xfrm>
+      </p:grpSpPr>
+      <p:sp>
+        <p:nvSpPr>
+          <p:cNvPr id="2" name="Title 1">
+            <a:extLst>
+              <a:ext uri="{FF2B5EF4-FFF2-40B4-BE49-F238E27FC236}">
+                <a16:creationId xmlns:a16="http://schemas.microsoft.com/office/drawing/2014/main" id="{D3FDC557-92DA-3118-C98B-D8CBC357FC2C}"/>
+              </a:ext>
+            </a:extLst>
+          </p:cNvPr>
+          <p:cNvSpPr>
+            <a:spLocks noGrp="1"/>
+          </p:cNvSpPr>
+          <p:nvPr>
+            <p:ph type="title"/>
+          </p:nvPr>
+        </p:nvSpPr>
+        <p:spPr/>
+        <p:txBody>
+          <a:bodyPr/>
+          <a:lstStyle/>
+          <a:p>
+            <a:r>
+              <a:rPr lang="en-US" dirty="0">
+                <a:solidFill>
+                  <a:schemeClr val="bg1"/>
+                </a:solidFill>
+              </a:rPr>
+              <a:t>Load </a:t>
+            </a:r>
+            <a:r>
+              <a:rPr lang="en-US" dirty="0" err="1">
+                <a:solidFill>
+                  <a:schemeClr val="bg1"/>
+                </a:solidFill>
+              </a:rPr>
+              <a:t>Dataframes</a:t>
+            </a:r>
+            <a:r>
+              <a:rPr lang="en-US" dirty="0">
+                <a:solidFill>
+                  <a:schemeClr val="bg1"/>
+                </a:solidFill>
+              </a:rPr>
+              <a:t> to Database</a:t>
+            </a:r>
+          </a:p>
+        </p:txBody>
+      </p:sp>
+      <p:pic>
+        <p:nvPicPr>
+          <p:cNvPr id="4" name="Picture 3">
+            <a:extLst>
+              <a:ext uri="{FF2B5EF4-FFF2-40B4-BE49-F238E27FC236}">
+                <a16:creationId xmlns:a16="http://schemas.microsoft.com/office/drawing/2014/main" id="{C7C81E04-CC44-48C5-A705-30302C9B343A}"/>
+              </a:ext>
+            </a:extLst>
+          </p:cNvPr>
+          <p:cNvPicPr>
+            <a:picLocks noChangeAspect="1"/>
+          </p:cNvPicPr>
+          <p:nvPr/>
+        </p:nvPicPr>
+        <p:blipFill>
+          <a:blip r:embed="rId2"/>
+          <a:stretch>
+            <a:fillRect/>
+          </a:stretch>
+        </p:blipFill>
+        <p:spPr>
+          <a:xfrm>
+            <a:off x="95251" y="2411778"/>
+            <a:ext cx="11439525" cy="3409950"/>
+          </a:xfrm>
+          <a:prstGeom prst="rect">
+            <a:avLst/>
+          </a:prstGeom>
+        </p:spPr>
+      </p:pic>
+    </p:spTree>
+    <p:extLst>
+      <p:ext uri="{BB962C8B-B14F-4D97-AF65-F5344CB8AC3E}">
+        <p14:creationId xmlns:p14="http://schemas.microsoft.com/office/powerpoint/2010/main" val="3491763012"/>
+      </p:ext>
+    </p:extLst>
+  </p:cSld>
+  <p:clrMapOvr>
+    <a:masterClrMapping/>
+  </p:clrMapOvr>
+</p:sld>
+</file>
+
+<file path=ppt/slides/slide17.xml><?xml version="1.0" encoding="utf-8"?>
+<p:sld xmlns:a="http://schemas.openxmlformats.org/drawingml/2006/main" xmlns:r="http://schemas.openxmlformats.org/officeDocument/2006/relationships" xmlns:p="http://schemas.openxmlformats.org/presentationml/2006/main">
+  <p:cSld>
+    <p:bg>
+      <p:bgPr>
+        <a:solidFill>
+          <a:schemeClr val="accent1"/>
+        </a:solidFill>
+        <a:effectLst/>
+      </p:bgPr>
+    </p:bg>
+    <p:spTree>
+      <p:nvGrpSpPr>
+        <p:cNvPr id="1" name=""/>
+        <p:cNvGrpSpPr/>
+        <p:nvPr/>
+      </p:nvGrpSpPr>
+      <p:grpSpPr>
+        <a:xfrm>
+          <a:off x="0" y="0"/>
+          <a:ext cx="0" cy="0"/>
+          <a:chOff x="0" y="0"/>
+          <a:chExt cx="0" cy="0"/>
+        </a:xfrm>
+      </p:grpSpPr>
+      <p:sp>
+        <p:nvSpPr>
+          <p:cNvPr id="9" name="Rectangle 8">
+            <a:extLst>
+              <a:ext uri="{FF2B5EF4-FFF2-40B4-BE49-F238E27FC236}">
+                <a16:creationId xmlns:a16="http://schemas.microsoft.com/office/drawing/2014/main" id="{D87AB319-64C0-4E2D-B1CD-0A970301BEEA}"/>
               </a:ext>
               <a:ext uri="{C183D7F6-B498-43B3-948B-1728B52AA6E4}">
                 <adec:decorative xmlns:adec="http://schemas.microsoft.com/office/drawing/2017/decorative" val="1"/>
@@ -7986,12 +8285,12 @@
           </a:fontRef>
         </p:style>
       </p:sp>
-      <p:sp useBgFill="1">
+      <p:sp>
         <p:nvSpPr>
-          <p:cNvPr id="14" name="Rectangle 13">
+          <p:cNvPr id="11" name="Rectangle 10">
             <a:extLst>
               <a:ext uri="{FF2B5EF4-FFF2-40B4-BE49-F238E27FC236}">
-                <a16:creationId xmlns:a16="http://schemas.microsoft.com/office/drawing/2014/main" id="{E4B26CF8-7662-442F-B3D6-87859197EF85}"/>
+                <a16:creationId xmlns:a16="http://schemas.microsoft.com/office/drawing/2014/main" id="{CC4A892D-088E-4414-965D-1F8C4212F602}"/>
               </a:ext>
               <a:ext uri="{C183D7F6-B498-43B3-948B-1728B52AA6E4}">
                 <adec:decorative xmlns:adec="http://schemas.microsoft.com/office/drawing/2017/decorative" val="1"/>
@@ -8048,63 +8347,19 @@
       </p:sp>
       <p:sp>
         <p:nvSpPr>
-          <p:cNvPr id="7" name="Title 6">
+          <p:cNvPr id="13" name="Rectangle 12">
             <a:extLst>
               <a:ext uri="{FF2B5EF4-FFF2-40B4-BE49-F238E27FC236}">
-                <a16:creationId xmlns:a16="http://schemas.microsoft.com/office/drawing/2014/main" id="{7842FB59-6E4F-DB04-B3E5-FBD9DBABC1DE}"/>
+                <a16:creationId xmlns:a16="http://schemas.microsoft.com/office/drawing/2014/main" id="{472BC85F-BF83-4D6D-A1BC-8EE5822F0804}"/>
+              </a:ext>
+              <a:ext uri="{C183D7F6-B498-43B3-948B-1728B52AA6E4}">
+                <adec:decorative xmlns:adec="http://schemas.microsoft.com/office/drawing/2017/decorative" val="1"/>
               </a:ext>
             </a:extLst>
           </p:cNvPr>
           <p:cNvSpPr>
-            <a:spLocks noGrp="1"/>
+            <a:spLocks noGrp="1" noRot="1" noChangeAspect="1" noMove="1" noResize="1" noEditPoints="1" noAdjustHandles="1" noChangeArrowheads="1" noChangeShapeType="1" noTextEdit="1"/>
           </p:cNvSpPr>
-          <p:nvPr>
-            <p:ph type="title"/>
-          </p:nvPr>
-        </p:nvSpPr>
-        <p:spPr>
-          <a:xfrm>
-            <a:off x="7391400" y="562162"/>
-            <a:ext cx="4619625" cy="5914838"/>
-          </a:xfrm>
-        </p:spPr>
-        <p:txBody>
-          <a:bodyPr vert="horz" lIns="91440" tIns="45720" rIns="91440" bIns="45720" rtlCol="0" anchor="ctr">
-            <a:normAutofit/>
-          </a:bodyPr>
-          <a:lstStyle/>
-          <a:p>
-            <a:pPr>
-              <a:lnSpc>
-                <a:spcPct val="80000"/>
-              </a:lnSpc>
-            </a:pPr>
-            <a:r>
-              <a:rPr lang="en-US" sz="6700" dirty="0">
-                <a:solidFill>
-                  <a:srgbClr val="FFFFFF"/>
-                </a:solidFill>
-              </a:rPr>
-              <a:t> How many skills are included per job listing?</a:t>
-            </a:r>
-          </a:p>
-        </p:txBody>
-      </p:sp>
-      <p:cxnSp>
-        <p:nvCxnSpPr>
-          <p:cNvPr id="16" name="Straight Connector 15">
-            <a:extLst>
-              <a:ext uri="{FF2B5EF4-FFF2-40B4-BE49-F238E27FC236}">
-                <a16:creationId xmlns:a16="http://schemas.microsoft.com/office/drawing/2014/main" id="{07BC4E14-913C-46C0-ABF7-BDDAEC08A367}"/>
-              </a:ext>
-              <a:ext uri="{C183D7F6-B498-43B3-948B-1728B52AA6E4}">
-                <adec:decorative xmlns:adec="http://schemas.microsoft.com/office/drawing/2017/decorative" val="1"/>
-              </a:ext>
-            </a:extLst>
-          </p:cNvPr>
-          <p:cNvCxnSpPr>
-            <a:cxnSpLocks noGrp="1" noRot="1" noChangeAspect="1" noMove="1" noResize="1" noEditPoints="1" noAdjustHandles="1" noChangeArrowheads="1" noChangeShapeType="1"/>
-          </p:cNvCxnSpPr>
           <p:nvPr>
             <p:extLst>
               <p:ext uri="{386F3935-93C4-4BCD-93E2-E3B085C9AB24}">
@@ -8112,45 +8367,53 @@
               </p:ext>
             </p:extLst>
           </p:nvPr>
-        </p:nvCxnSpPr>
+        </p:nvSpPr>
         <p:spPr>
           <a:xfrm>
-            <a:off x="4663440" y="2071116"/>
-            <a:ext cx="0" cy="2715768"/>
-          </a:xfrm>
-          <a:prstGeom prst="line">
+            <a:off x="0" y="1"/>
+            <a:ext cx="12192000" cy="4572000"/>
+          </a:xfrm>
+          <a:prstGeom prst="rect">
             <a:avLst/>
           </a:prstGeom>
+          <a:solidFill>
+            <a:schemeClr val="bg1"/>
+          </a:solidFill>
           <a:ln>
-            <a:solidFill>
-              <a:schemeClr val="accent1">
-                <a:lumMod val="40000"/>
-                <a:lumOff val="60000"/>
-              </a:schemeClr>
-            </a:solidFill>
+            <a:noFill/>
           </a:ln>
         </p:spPr>
         <p:style>
-          <a:lnRef idx="1">
-            <a:schemeClr val="accent1"/>
+          <a:lnRef idx="2">
+            <a:schemeClr val="accent1">
+              <a:shade val="50000"/>
+            </a:schemeClr>
           </a:lnRef>
-          <a:fillRef idx="0">
+          <a:fillRef idx="1">
             <a:schemeClr val="accent1"/>
           </a:fillRef>
           <a:effectRef idx="0">
             <a:schemeClr val="accent1"/>
           </a:effectRef>
           <a:fontRef idx="minor">
-            <a:schemeClr val="tx1"/>
+            <a:schemeClr val="lt1"/>
           </a:fontRef>
         </p:style>
-      </p:cxnSp>
+        <p:txBody>
+          <a:bodyPr rtlCol="0" anchor="ctr"/>
+          <a:lstStyle/>
+          <a:p>
+            <a:pPr algn="ctr"/>
+            <a:endParaRPr lang="en-US"/>
+          </a:p>
+        </p:txBody>
+      </p:sp>
       <p:pic>
         <p:nvPicPr>
-          <p:cNvPr id="3" name="Picture 2">
+          <p:cNvPr id="4" name="Picture 3">
             <a:extLst>
               <a:ext uri="{FF2B5EF4-FFF2-40B4-BE49-F238E27FC236}">
-                <a16:creationId xmlns:a16="http://schemas.microsoft.com/office/drawing/2014/main" id="{3B79F741-D90F-AC4E-F9B2-8D738544F47B}"/>
+                <a16:creationId xmlns:a16="http://schemas.microsoft.com/office/drawing/2014/main" id="{9BBE8A93-E1BF-66E2-043D-0A6994B463C6}"/>
               </a:ext>
             </a:extLst>
           </p:cNvPr>
@@ -8167,18 +8430,115 @@
         </p:blipFill>
         <p:spPr>
           <a:xfrm>
-            <a:off x="180975" y="983666"/>
-            <a:ext cx="7124700" cy="5057775"/>
+            <a:off x="470453" y="1407796"/>
+            <a:ext cx="10938932" cy="2871470"/>
           </a:xfrm>
           <a:prstGeom prst="rect">
             <a:avLst/>
           </a:prstGeom>
         </p:spPr>
       </p:pic>
+      <p:sp>
+        <p:nvSpPr>
+          <p:cNvPr id="7" name="Title 6">
+            <a:extLst>
+              <a:ext uri="{FF2B5EF4-FFF2-40B4-BE49-F238E27FC236}">
+                <a16:creationId xmlns:a16="http://schemas.microsoft.com/office/drawing/2014/main" id="{C44B841D-80CE-E9B0-EA09-5D9DC0FBAFE2}"/>
+              </a:ext>
+            </a:extLst>
+          </p:cNvPr>
+          <p:cNvSpPr>
+            <a:spLocks noGrp="1"/>
+          </p:cNvSpPr>
+          <p:nvPr>
+            <p:ph type="title"/>
+          </p:nvPr>
+        </p:nvSpPr>
+        <p:spPr>
+          <a:xfrm>
+            <a:off x="657224" y="499533"/>
+            <a:ext cx="10772775" cy="735298"/>
+          </a:xfrm>
+        </p:spPr>
+        <p:txBody>
+          <a:bodyPr>
+            <a:normAutofit/>
+          </a:bodyPr>
+          <a:lstStyle/>
+          <a:p>
+            <a:r>
+              <a:rPr lang="en-US" sz="4800" dirty="0"/>
+              <a:t>Analysis</a:t>
+            </a:r>
+          </a:p>
+        </p:txBody>
+      </p:sp>
+      <p:sp>
+        <p:nvSpPr>
+          <p:cNvPr id="8" name="TextBox 7">
+            <a:extLst>
+              <a:ext uri="{FF2B5EF4-FFF2-40B4-BE49-F238E27FC236}">
+                <a16:creationId xmlns:a16="http://schemas.microsoft.com/office/drawing/2014/main" id="{070D9D76-C91F-8386-1A8A-F354E626B8EF}"/>
+              </a:ext>
+            </a:extLst>
+          </p:cNvPr>
+          <p:cNvSpPr txBox="1"/>
+          <p:nvPr/>
+        </p:nvSpPr>
+        <p:spPr>
+          <a:xfrm>
+            <a:off x="657224" y="4947137"/>
+            <a:ext cx="5563822" cy="830997"/>
+          </a:xfrm>
+          <a:prstGeom prst="rect">
+            <a:avLst/>
+          </a:prstGeom>
+          <a:noFill/>
+        </p:spPr>
+        <p:txBody>
+          <a:bodyPr wrap="square" rtlCol="0">
+            <a:spAutoFit/>
+          </a:bodyPr>
+          <a:lstStyle/>
+          <a:p>
+            <a:r>
+              <a:rPr lang="en-US" sz="2400" dirty="0">
+                <a:solidFill>
+                  <a:schemeClr val="bg1"/>
+                </a:solidFill>
+              </a:rPr>
+              <a:t>Queried for data</a:t>
+            </a:r>
+          </a:p>
+          <a:p>
+            <a:r>
+              <a:rPr lang="en-US" sz="2400" dirty="0">
+                <a:solidFill>
+                  <a:schemeClr val="bg1"/>
+                </a:solidFill>
+              </a:rPr>
+              <a:t>Plotted with </a:t>
+            </a:r>
+            <a:r>
+              <a:rPr lang="en-US" sz="2400" dirty="0" err="1">
+                <a:solidFill>
+                  <a:schemeClr val="bg1"/>
+                </a:solidFill>
+              </a:rPr>
+              <a:t>ggplot</a:t>
+            </a:r>
+            <a:endParaRPr lang="en-US" sz="2400" dirty="0">
+              <a:solidFill>
+                <a:schemeClr val="bg1"/>
+              </a:solidFill>
+            </a:endParaRPr>
+          </a:p>
+        </p:txBody>
+      </p:sp>
     </p:spTree>
     <p:extLst>
       <p:ext uri="{BB962C8B-B14F-4D97-AF65-F5344CB8AC3E}">
-        <p14:creationId xmlns:p14="http://schemas.microsoft.com/office/powerpoint/2010/main" val="1366987508"/>
+        <p14:creationId xmlns:p14="http://schemas.microsoft.com/office/powerpoint/2010/main" val="2481156156"/>
       </p:ext>
     </p:extLst>
   </p:cSld>
@@ -8188,7 +8548,7 @@
 </p:sld>
 </file>
 
-<file path=ppt/slides/slide15.xml><?xml version="1.0" encoding="utf-8"?>
+<file path=ppt/slides/slide18.xml><?xml version="1.0" encoding="utf-8"?>
 <p:sld xmlns:a="http://schemas.openxmlformats.org/drawingml/2006/main" xmlns:r="http://schemas.openxmlformats.org/officeDocument/2006/relationships" xmlns:p="http://schemas.openxmlformats.org/presentationml/2006/main">
   <p:cSld>
     <p:bg>
@@ -8349,7 +8709,7 @@
         </p:spPr>
         <p:txBody>
           <a:bodyPr vert="horz" lIns="91440" tIns="45720" rIns="91440" bIns="45720" rtlCol="0" anchor="ctr">
-            <a:normAutofit fontScale="90000"/>
+            <a:normAutofit/>
           </a:bodyPr>
           <a:lstStyle/>
           <a:p>
@@ -8364,7 +8724,302 @@
                   <a:srgbClr val="FFFFFF"/>
                 </a:solidFill>
               </a:rPr>
-              <a:t>Does the number of skills per job vary based on the population of the job's location?</a:t>
+              <a:t>What are the </a:t>
+            </a:r>
+            <a:r>
+              <a:rPr lang="en-US" sz="6700" b="1" dirty="0">
+                <a:solidFill>
+                  <a:srgbClr val="FFFFFF"/>
+                </a:solidFill>
+              </a:rPr>
+              <a:t>Top 20 </a:t>
+            </a:r>
+            <a:r>
+              <a:rPr lang="en-US" sz="6700" dirty="0">
+                <a:solidFill>
+                  <a:srgbClr val="FFFFFF"/>
+                </a:solidFill>
+              </a:rPr>
+              <a:t>Most Frequently Mentioned Job Skills?</a:t>
+            </a:r>
+          </a:p>
+        </p:txBody>
+      </p:sp>
+      <p:cxnSp>
+        <p:nvCxnSpPr>
+          <p:cNvPr id="16" name="Straight Connector 15">
+            <a:extLst>
+              <a:ext uri="{FF2B5EF4-FFF2-40B4-BE49-F238E27FC236}">
+                <a16:creationId xmlns:a16="http://schemas.microsoft.com/office/drawing/2014/main" id="{07BC4E14-913C-46C0-ABF7-BDDAEC08A367}"/>
+              </a:ext>
+              <a:ext uri="{C183D7F6-B498-43B3-948B-1728B52AA6E4}">
+                <adec:decorative xmlns:adec="http://schemas.microsoft.com/office/drawing/2017/decorative" val="1"/>
+              </a:ext>
+            </a:extLst>
+          </p:cNvPr>
+          <p:cNvCxnSpPr>
+            <a:cxnSpLocks noGrp="1" noRot="1" noChangeAspect="1" noMove="1" noResize="1" noEditPoints="1" noAdjustHandles="1" noChangeArrowheads="1" noChangeShapeType="1"/>
+          </p:cNvCxnSpPr>
+          <p:nvPr>
+            <p:extLst>
+              <p:ext uri="{386F3935-93C4-4BCD-93E2-E3B085C9AB24}">
+                <p16:designElem xmlns:p16="http://schemas.microsoft.com/office/powerpoint/2015/main" val="1"/>
+              </p:ext>
+            </p:extLst>
+          </p:nvPr>
+        </p:nvCxnSpPr>
+        <p:spPr>
+          <a:xfrm>
+            <a:off x="4663440" y="2071116"/>
+            <a:ext cx="0" cy="2715768"/>
+          </a:xfrm>
+          <a:prstGeom prst="line">
+            <a:avLst/>
+          </a:prstGeom>
+          <a:ln>
+            <a:solidFill>
+              <a:schemeClr val="accent1">
+                <a:lumMod val="40000"/>
+                <a:lumOff val="60000"/>
+              </a:schemeClr>
+            </a:solidFill>
+          </a:ln>
+        </p:spPr>
+        <p:style>
+          <a:lnRef idx="1">
+            <a:schemeClr val="accent1"/>
+          </a:lnRef>
+          <a:fillRef idx="0">
+            <a:schemeClr val="accent1"/>
+          </a:fillRef>
+          <a:effectRef idx="0">
+            <a:schemeClr val="accent1"/>
+          </a:effectRef>
+          <a:fontRef idx="minor">
+            <a:schemeClr val="tx1"/>
+          </a:fontRef>
+        </p:style>
+      </p:cxnSp>
+      <p:pic>
+        <p:nvPicPr>
+          <p:cNvPr id="11" name="Picture 10">
+            <a:extLst>
+              <a:ext uri="{FF2B5EF4-FFF2-40B4-BE49-F238E27FC236}">
+                <a16:creationId xmlns:a16="http://schemas.microsoft.com/office/drawing/2014/main" id="{07711797-5B58-AB96-7B0F-67CA9581EEE5}"/>
+              </a:ext>
+            </a:extLst>
+          </p:cNvPr>
+          <p:cNvPicPr>
+            <a:picLocks noChangeAspect="1"/>
+          </p:cNvPicPr>
+          <p:nvPr/>
+        </p:nvPicPr>
+        <p:blipFill>
+          <a:blip r:embed="rId2"/>
+          <a:stretch>
+            <a:fillRect/>
+          </a:stretch>
+        </p:blipFill>
+        <p:spPr>
+          <a:xfrm>
+            <a:off x="4828962" y="1074799"/>
+            <a:ext cx="7248525" cy="5057775"/>
+          </a:xfrm>
+          <a:prstGeom prst="rect">
+            <a:avLst/>
+          </a:prstGeom>
+        </p:spPr>
+      </p:pic>
+    </p:spTree>
+    <p:extLst>
+      <p:ext uri="{BB962C8B-B14F-4D97-AF65-F5344CB8AC3E}">
+        <p14:creationId xmlns:p14="http://schemas.microsoft.com/office/powerpoint/2010/main" val="1277445747"/>
+      </p:ext>
+    </p:extLst>
+  </p:cSld>
+  <p:clrMapOvr>
+    <a:masterClrMapping/>
+  </p:clrMapOvr>
+</p:sld>
+</file>
+
+<file path=ppt/slides/slide19.xml><?xml version="1.0" encoding="utf-8"?>
+<p:sld xmlns:a="http://schemas.openxmlformats.org/drawingml/2006/main" xmlns:r="http://schemas.openxmlformats.org/officeDocument/2006/relationships" xmlns:p="http://schemas.openxmlformats.org/presentationml/2006/main">
+  <p:cSld>
+    <p:bg>
+      <p:bgPr>
+        <a:solidFill>
+          <a:schemeClr val="accent1"/>
+        </a:solidFill>
+        <a:effectLst/>
+      </p:bgPr>
+    </p:bg>
+    <p:spTree>
+      <p:nvGrpSpPr>
+        <p:cNvPr id="1" name=""/>
+        <p:cNvGrpSpPr/>
+        <p:nvPr/>
+      </p:nvGrpSpPr>
+      <p:grpSpPr>
+        <a:xfrm>
+          <a:off x="0" y="0"/>
+          <a:ext cx="0" cy="0"/>
+          <a:chOff x="0" y="0"/>
+          <a:chExt cx="0" cy="0"/>
+        </a:xfrm>
+      </p:grpSpPr>
+      <p:sp>
+        <p:nvSpPr>
+          <p:cNvPr id="12" name="Rectangle 11">
+            <a:extLst>
+              <a:ext uri="{FF2B5EF4-FFF2-40B4-BE49-F238E27FC236}">
+                <a16:creationId xmlns:a16="http://schemas.microsoft.com/office/drawing/2014/main" id="{BD976C13-68E6-4E25-B13E-FC3A2D3F66E3}"/>
+              </a:ext>
+              <a:ext uri="{C183D7F6-B498-43B3-948B-1728B52AA6E4}">
+                <adec:decorative xmlns:adec="http://schemas.microsoft.com/office/drawing/2017/decorative" val="1"/>
+              </a:ext>
+            </a:extLst>
+          </p:cNvPr>
+          <p:cNvSpPr>
+            <a:spLocks noGrp="1" noRot="1" noChangeAspect="1" noMove="1" noResize="1" noEditPoints="1" noAdjustHandles="1" noChangeArrowheads="1" noChangeShapeType="1" noTextEdit="1"/>
+          </p:cNvSpPr>
+          <p:nvPr>
+            <p:extLst>
+              <p:ext uri="{386F3935-93C4-4BCD-93E2-E3B085C9AB24}">
+                <p16:designElem xmlns:p16="http://schemas.microsoft.com/office/powerpoint/2015/main" val="1"/>
+              </p:ext>
+            </p:extLst>
+          </p:nvPr>
+        </p:nvSpPr>
+        <p:spPr>
+          <a:xfrm>
+            <a:off x="0" y="0"/>
+            <a:ext cx="12192000" cy="6858000"/>
+          </a:xfrm>
+          <a:prstGeom prst="rect">
+            <a:avLst/>
+          </a:prstGeom>
+          <a:ln>
+            <a:noFill/>
+          </a:ln>
+        </p:spPr>
+        <p:style>
+          <a:lnRef idx="2">
+            <a:schemeClr val="accent1">
+              <a:shade val="50000"/>
+            </a:schemeClr>
+          </a:lnRef>
+          <a:fillRef idx="1">
+            <a:schemeClr val="accent1"/>
+          </a:fillRef>
+          <a:effectRef idx="0">
+            <a:schemeClr val="accent1"/>
+          </a:effectRef>
+          <a:fontRef idx="minor">
+            <a:schemeClr val="lt1"/>
+          </a:fontRef>
+        </p:style>
+      </p:sp>
+      <p:sp useBgFill="1">
+        <p:nvSpPr>
+          <p:cNvPr id="14" name="Rectangle 13">
+            <a:extLst>
+              <a:ext uri="{FF2B5EF4-FFF2-40B4-BE49-F238E27FC236}">
+                <a16:creationId xmlns:a16="http://schemas.microsoft.com/office/drawing/2014/main" id="{E4B26CF8-7662-442F-B3D6-87859197EF85}"/>
+              </a:ext>
+              <a:ext uri="{C183D7F6-B498-43B3-948B-1728B52AA6E4}">
+                <adec:decorative xmlns:adec="http://schemas.microsoft.com/office/drawing/2017/decorative" val="1"/>
+              </a:ext>
+            </a:extLst>
+          </p:cNvPr>
+          <p:cNvSpPr>
+            <a:spLocks noGrp="1" noRot="1" noChangeAspect="1" noMove="1" noResize="1" noEditPoints="1" noAdjustHandles="1" noChangeArrowheads="1" noChangeShapeType="1" noTextEdit="1"/>
+          </p:cNvSpPr>
+          <p:nvPr>
+            <p:extLst>
+              <p:ext uri="{386F3935-93C4-4BCD-93E2-E3B085C9AB24}">
+                <p16:designElem xmlns:p16="http://schemas.microsoft.com/office/powerpoint/2015/main" val="1"/>
+              </p:ext>
+            </p:extLst>
+          </p:nvPr>
+        </p:nvSpPr>
+        <p:spPr>
+          <a:xfrm>
+            <a:off x="0" y="0"/>
+            <a:ext cx="12192000" cy="6858000"/>
+          </a:xfrm>
+          <a:prstGeom prst="rect">
+            <a:avLst/>
+          </a:prstGeom>
+          <a:ln>
+            <a:noFill/>
+          </a:ln>
+        </p:spPr>
+        <p:style>
+          <a:lnRef idx="2">
+            <a:schemeClr val="accent1">
+              <a:shade val="50000"/>
+            </a:schemeClr>
+          </a:lnRef>
+          <a:fillRef idx="1">
+            <a:schemeClr val="accent1"/>
+          </a:fillRef>
+          <a:effectRef idx="0">
+            <a:schemeClr val="accent1"/>
+          </a:effectRef>
+          <a:fontRef idx="minor">
+            <a:schemeClr val="lt1"/>
+          </a:fontRef>
+        </p:style>
+        <p:txBody>
+          <a:bodyPr rtlCol="0" anchor="ctr"/>
+          <a:lstStyle/>
+          <a:p>
+            <a:pPr algn="ctr"/>
+            <a:endParaRPr lang="en-US"/>
+          </a:p>
+        </p:txBody>
+      </p:sp>
+      <p:sp>
+        <p:nvSpPr>
+          <p:cNvPr id="7" name="Title 6">
+            <a:extLst>
+              <a:ext uri="{FF2B5EF4-FFF2-40B4-BE49-F238E27FC236}">
+                <a16:creationId xmlns:a16="http://schemas.microsoft.com/office/drawing/2014/main" id="{7842FB59-6E4F-DB04-B3E5-FBD9DBABC1DE}"/>
+              </a:ext>
+            </a:extLst>
+          </p:cNvPr>
+          <p:cNvSpPr>
+            <a:spLocks noGrp="1"/>
+          </p:cNvSpPr>
+          <p:nvPr>
+            <p:ph type="title"/>
+          </p:nvPr>
+        </p:nvSpPr>
+        <p:spPr>
+          <a:xfrm>
+            <a:off x="7391400" y="562162"/>
+            <a:ext cx="4619625" cy="5914838"/>
+          </a:xfrm>
+        </p:spPr>
+        <p:txBody>
+          <a:bodyPr vert="horz" lIns="91440" tIns="45720" rIns="91440" bIns="45720" rtlCol="0" anchor="ctr">
+            <a:normAutofit/>
+          </a:bodyPr>
+          <a:lstStyle/>
+          <a:p>
+            <a:pPr>
+              <a:lnSpc>
+                <a:spcPct val="80000"/>
+              </a:lnSpc>
+            </a:pPr>
+            <a:r>
+              <a:rPr lang="en-US" sz="6700" dirty="0">
+                <a:solidFill>
+                  <a:srgbClr val="FFFFFF"/>
+                </a:solidFill>
+              </a:rPr>
+              <a:t>How many skills are included per job listing?</a:t>
             </a:r>
           </a:p>
         </p:txBody>
@@ -8429,7 +9084,7 @@
           <p:cNvPr id="3" name="Picture 2">
             <a:extLst>
               <a:ext uri="{FF2B5EF4-FFF2-40B4-BE49-F238E27FC236}">
-                <a16:creationId xmlns:a16="http://schemas.microsoft.com/office/drawing/2014/main" id="{CB958E23-8A52-F38C-F37B-5F78216FFDE0}"/>
+                <a16:creationId xmlns:a16="http://schemas.microsoft.com/office/drawing/2014/main" id="{3B79F741-D90F-AC4E-F9B2-8D738544F47B}"/>
               </a:ext>
             </a:extLst>
           </p:cNvPr>
@@ -8446,8 +9101,8 @@
         </p:blipFill>
         <p:spPr>
           <a:xfrm>
-            <a:off x="4893943" y="1004887"/>
-            <a:ext cx="7067550" cy="5057775"/>
+            <a:off x="180975" y="983666"/>
+            <a:ext cx="7124700" cy="5057775"/>
           </a:xfrm>
           <a:prstGeom prst="rect">
             <a:avLst/>
@@ -8457,7 +9112,7 @@
     </p:spTree>
     <p:extLst>
       <p:ext uri="{BB962C8B-B14F-4D97-AF65-F5344CB8AC3E}">
-        <p14:creationId xmlns:p14="http://schemas.microsoft.com/office/powerpoint/2010/main" val="3185374826"/>
+        <p14:creationId xmlns:p14="http://schemas.microsoft.com/office/powerpoint/2010/main" val="1366987508"/>
       </p:ext>
     </p:extLst>
   </p:cSld>
@@ -8718,6 +9373,285 @@
     <p:extLst>
       <p:ext uri="{BB962C8B-B14F-4D97-AF65-F5344CB8AC3E}">
         <p14:creationId xmlns:p14="http://schemas.microsoft.com/office/powerpoint/2010/main" val="3596742371"/>
+      </p:ext>
+    </p:extLst>
+  </p:cSld>
+  <p:clrMapOvr>
+    <a:masterClrMapping/>
+  </p:clrMapOvr>
+</p:sld>
+</file>
+
+<file path=ppt/slides/slide20.xml><?xml version="1.0" encoding="utf-8"?>
+<p:sld xmlns:a="http://schemas.openxmlformats.org/drawingml/2006/main" xmlns:r="http://schemas.openxmlformats.org/officeDocument/2006/relationships" xmlns:p="http://schemas.openxmlformats.org/presentationml/2006/main">
+  <p:cSld>
+    <p:bg>
+      <p:bgPr>
+        <a:solidFill>
+          <a:schemeClr val="accent1"/>
+        </a:solidFill>
+        <a:effectLst/>
+      </p:bgPr>
+    </p:bg>
+    <p:spTree>
+      <p:nvGrpSpPr>
+        <p:cNvPr id="1" name=""/>
+        <p:cNvGrpSpPr/>
+        <p:nvPr/>
+      </p:nvGrpSpPr>
+      <p:grpSpPr>
+        <a:xfrm>
+          <a:off x="0" y="0"/>
+          <a:ext cx="0" cy="0"/>
+          <a:chOff x="0" y="0"/>
+          <a:chExt cx="0" cy="0"/>
+        </a:xfrm>
+      </p:grpSpPr>
+      <p:sp>
+        <p:nvSpPr>
+          <p:cNvPr id="12" name="Rectangle 11">
+            <a:extLst>
+              <a:ext uri="{FF2B5EF4-FFF2-40B4-BE49-F238E27FC236}">
+                <a16:creationId xmlns:a16="http://schemas.microsoft.com/office/drawing/2014/main" id="{BD976C13-68E6-4E25-B13E-FC3A2D3F66E3}"/>
+              </a:ext>
+              <a:ext uri="{C183D7F6-B498-43B3-948B-1728B52AA6E4}">
+                <adec:decorative xmlns:adec="http://schemas.microsoft.com/office/drawing/2017/decorative" val="1"/>
+              </a:ext>
+            </a:extLst>
+          </p:cNvPr>
+          <p:cNvSpPr>
+            <a:spLocks noGrp="1" noRot="1" noChangeAspect="1" noMove="1" noResize="1" noEditPoints="1" noAdjustHandles="1" noChangeArrowheads="1" noChangeShapeType="1" noTextEdit="1"/>
+          </p:cNvSpPr>
+          <p:nvPr>
+            <p:extLst>
+              <p:ext uri="{386F3935-93C4-4BCD-93E2-E3B085C9AB24}">
+                <p16:designElem xmlns:p16="http://schemas.microsoft.com/office/powerpoint/2015/main" val="1"/>
+              </p:ext>
+            </p:extLst>
+          </p:nvPr>
+        </p:nvSpPr>
+        <p:spPr>
+          <a:xfrm>
+            <a:off x="0" y="0"/>
+            <a:ext cx="12192000" cy="6858000"/>
+          </a:xfrm>
+          <a:prstGeom prst="rect">
+            <a:avLst/>
+          </a:prstGeom>
+          <a:ln>
+            <a:noFill/>
+          </a:ln>
+        </p:spPr>
+        <p:style>
+          <a:lnRef idx="2">
+            <a:schemeClr val="accent1">
+              <a:shade val="50000"/>
+            </a:schemeClr>
+          </a:lnRef>
+          <a:fillRef idx="1">
+            <a:schemeClr val="accent1"/>
+          </a:fillRef>
+          <a:effectRef idx="0">
+            <a:schemeClr val="accent1"/>
+          </a:effectRef>
+          <a:fontRef idx="minor">
+            <a:schemeClr val="lt1"/>
+          </a:fontRef>
+        </p:style>
+      </p:sp>
+      <p:sp useBgFill="1">
+        <p:nvSpPr>
+          <p:cNvPr id="14" name="Rectangle 13">
+            <a:extLst>
+              <a:ext uri="{FF2B5EF4-FFF2-40B4-BE49-F238E27FC236}">
+                <a16:creationId xmlns:a16="http://schemas.microsoft.com/office/drawing/2014/main" id="{E4B26CF8-7662-442F-B3D6-87859197EF85}"/>
+              </a:ext>
+              <a:ext uri="{C183D7F6-B498-43B3-948B-1728B52AA6E4}">
+                <adec:decorative xmlns:adec="http://schemas.microsoft.com/office/drawing/2017/decorative" val="1"/>
+              </a:ext>
+            </a:extLst>
+          </p:cNvPr>
+          <p:cNvSpPr>
+            <a:spLocks noGrp="1" noRot="1" noChangeAspect="1" noMove="1" noResize="1" noEditPoints="1" noAdjustHandles="1" noChangeArrowheads="1" noChangeShapeType="1" noTextEdit="1"/>
+          </p:cNvSpPr>
+          <p:nvPr>
+            <p:extLst>
+              <p:ext uri="{386F3935-93C4-4BCD-93E2-E3B085C9AB24}">
+                <p16:designElem xmlns:p16="http://schemas.microsoft.com/office/powerpoint/2015/main" val="1"/>
+              </p:ext>
+            </p:extLst>
+          </p:nvPr>
+        </p:nvSpPr>
+        <p:spPr>
+          <a:xfrm>
+            <a:off x="0" y="0"/>
+            <a:ext cx="12192000" cy="6858000"/>
+          </a:xfrm>
+          <a:prstGeom prst="rect">
+            <a:avLst/>
+          </a:prstGeom>
+          <a:ln>
+            <a:noFill/>
+          </a:ln>
+        </p:spPr>
+        <p:style>
+          <a:lnRef idx="2">
+            <a:schemeClr val="accent1">
+              <a:shade val="50000"/>
+            </a:schemeClr>
+          </a:lnRef>
+          <a:fillRef idx="1">
+            <a:schemeClr val="accent1"/>
+          </a:fillRef>
+          <a:effectRef idx="0">
+            <a:schemeClr val="accent1"/>
+          </a:effectRef>
+          <a:fontRef idx="minor">
+            <a:schemeClr val="lt1"/>
+          </a:fontRef>
+        </p:style>
+        <p:txBody>
+          <a:bodyPr rtlCol="0" anchor="ctr"/>
+          <a:lstStyle/>
+          <a:p>
+            <a:pPr algn="ctr"/>
+            <a:endParaRPr lang="en-US"/>
+          </a:p>
+        </p:txBody>
+      </p:sp>
+      <p:sp>
+        <p:nvSpPr>
+          <p:cNvPr id="7" name="Title 6">
+            <a:extLst>
+              <a:ext uri="{FF2B5EF4-FFF2-40B4-BE49-F238E27FC236}">
+                <a16:creationId xmlns:a16="http://schemas.microsoft.com/office/drawing/2014/main" id="{7842FB59-6E4F-DB04-B3E5-FBD9DBABC1DE}"/>
+              </a:ext>
+            </a:extLst>
+          </p:cNvPr>
+          <p:cNvSpPr>
+            <a:spLocks noGrp="1"/>
+          </p:cNvSpPr>
+          <p:nvPr>
+            <p:ph type="title"/>
+          </p:nvPr>
+        </p:nvSpPr>
+        <p:spPr>
+          <a:xfrm>
+            <a:off x="165523" y="606551"/>
+            <a:ext cx="4497916" cy="5994273"/>
+          </a:xfrm>
+        </p:spPr>
+        <p:txBody>
+          <a:bodyPr vert="horz" lIns="91440" tIns="45720" rIns="91440" bIns="45720" rtlCol="0" anchor="ctr">
+            <a:normAutofit fontScale="90000"/>
+          </a:bodyPr>
+          <a:lstStyle/>
+          <a:p>
+            <a:pPr>
+              <a:lnSpc>
+                <a:spcPct val="80000"/>
+              </a:lnSpc>
+            </a:pPr>
+            <a:r>
+              <a:rPr lang="en-US" sz="6700" dirty="0">
+                <a:solidFill>
+                  <a:srgbClr val="FFFFFF"/>
+                </a:solidFill>
+              </a:rPr>
+              <a:t>Does the number of skills per job vary based on the population of the job's location?</a:t>
+            </a:r>
+          </a:p>
+        </p:txBody>
+      </p:sp>
+      <p:cxnSp>
+        <p:nvCxnSpPr>
+          <p:cNvPr id="16" name="Straight Connector 15">
+            <a:extLst>
+              <a:ext uri="{FF2B5EF4-FFF2-40B4-BE49-F238E27FC236}">
+                <a16:creationId xmlns:a16="http://schemas.microsoft.com/office/drawing/2014/main" id="{07BC4E14-913C-46C0-ABF7-BDDAEC08A367}"/>
+              </a:ext>
+              <a:ext uri="{C183D7F6-B498-43B3-948B-1728B52AA6E4}">
+                <adec:decorative xmlns:adec="http://schemas.microsoft.com/office/drawing/2017/decorative" val="1"/>
+              </a:ext>
+            </a:extLst>
+          </p:cNvPr>
+          <p:cNvCxnSpPr>
+            <a:cxnSpLocks noGrp="1" noRot="1" noChangeAspect="1" noMove="1" noResize="1" noEditPoints="1" noAdjustHandles="1" noChangeArrowheads="1" noChangeShapeType="1"/>
+          </p:cNvCxnSpPr>
+          <p:nvPr>
+            <p:extLst>
+              <p:ext uri="{386F3935-93C4-4BCD-93E2-E3B085C9AB24}">
+                <p16:designElem xmlns:p16="http://schemas.microsoft.com/office/powerpoint/2015/main" val="1"/>
+              </p:ext>
+            </p:extLst>
+          </p:nvPr>
+        </p:nvCxnSpPr>
+        <p:spPr>
+          <a:xfrm>
+            <a:off x="4663440" y="2071116"/>
+            <a:ext cx="0" cy="2715768"/>
+          </a:xfrm>
+          <a:prstGeom prst="line">
+            <a:avLst/>
+          </a:prstGeom>
+          <a:ln>
+            <a:solidFill>
+              <a:schemeClr val="accent1">
+                <a:lumMod val="40000"/>
+                <a:lumOff val="60000"/>
+              </a:schemeClr>
+            </a:solidFill>
+          </a:ln>
+        </p:spPr>
+        <p:style>
+          <a:lnRef idx="1">
+            <a:schemeClr val="accent1"/>
+          </a:lnRef>
+          <a:fillRef idx="0">
+            <a:schemeClr val="accent1"/>
+          </a:fillRef>
+          <a:effectRef idx="0">
+            <a:schemeClr val="accent1"/>
+          </a:effectRef>
+          <a:fontRef idx="minor">
+            <a:schemeClr val="tx1"/>
+          </a:fontRef>
+        </p:style>
+      </p:cxnSp>
+      <p:pic>
+        <p:nvPicPr>
+          <p:cNvPr id="3" name="Picture 2">
+            <a:extLst>
+              <a:ext uri="{FF2B5EF4-FFF2-40B4-BE49-F238E27FC236}">
+                <a16:creationId xmlns:a16="http://schemas.microsoft.com/office/drawing/2014/main" id="{CB958E23-8A52-F38C-F37B-5F78216FFDE0}"/>
+              </a:ext>
+            </a:extLst>
+          </p:cNvPr>
+          <p:cNvPicPr>
+            <a:picLocks noChangeAspect="1"/>
+          </p:cNvPicPr>
+          <p:nvPr/>
+        </p:nvPicPr>
+        <p:blipFill>
+          <a:blip r:embed="rId2"/>
+          <a:stretch>
+            <a:fillRect/>
+          </a:stretch>
+        </p:blipFill>
+        <p:spPr>
+          <a:xfrm>
+            <a:off x="4893943" y="1004887"/>
+            <a:ext cx="7067550" cy="5057775"/>
+          </a:xfrm>
+          <a:prstGeom prst="rect">
+            <a:avLst/>
+          </a:prstGeom>
+        </p:spPr>
+      </p:pic>
+    </p:spTree>
+    <p:extLst>
+      <p:ext uri="{BB962C8B-B14F-4D97-AF65-F5344CB8AC3E}">
+        <p14:creationId xmlns:p14="http://schemas.microsoft.com/office/powerpoint/2010/main" val="3185374826"/>
       </p:ext>
     </p:extLst>
   </p:cSld>
@@ -9356,7 +10290,7 @@
           <p:nvPr>
             <p:extLst>
               <p:ext uri="{D42A27DB-BD31-4B8C-83A1-F6EECF244321}">
-                <p14:modId xmlns:p14="http://schemas.microsoft.com/office/powerpoint/2010/main" val="2761906799"/>
+                <p14:modId xmlns:p14="http://schemas.microsoft.com/office/powerpoint/2010/main" val="956257105"/>
               </p:ext>
             </p:extLst>
           </p:nvPr>

--- a/00 - Presentation - What Data Science skills are most valued.pptx
+++ b/00 - Presentation - What Data Science skills are most valued.pptx
@@ -8054,31 +8054,6 @@
           </a:xfrm>
         </p:spPr>
       </p:pic>
-      <p:sp>
-        <p:nvSpPr>
-          <p:cNvPr id="4" name="Text Placeholder 3">
-            <a:extLst>
-              <a:ext uri="{FF2B5EF4-FFF2-40B4-BE49-F238E27FC236}">
-                <a16:creationId xmlns:a16="http://schemas.microsoft.com/office/drawing/2014/main" id="{B6B2D0FE-DCA3-F2C6-F614-1DB4C30F5CAA}"/>
-              </a:ext>
-            </a:extLst>
-          </p:cNvPr>
-          <p:cNvSpPr>
-            <a:spLocks noGrp="1"/>
-          </p:cNvSpPr>
-          <p:nvPr>
-            <p:ph type="body" sz="half" idx="2"/>
-          </p:nvPr>
-        </p:nvSpPr>
-        <p:spPr/>
-        <p:txBody>
-          <a:bodyPr/>
-          <a:lstStyle/>
-          <a:p>
-            <a:endParaRPr lang="en-US" dirty="0"/>
-          </a:p>
-        </p:txBody>
-      </p:sp>
     </p:spTree>
     <p:extLst>
       <p:ext uri="{BB962C8B-B14F-4D97-AF65-F5344CB8AC3E}">
